--- a/JavaScript UI & DOM-Teamwork-Reiko.pptx
+++ b/JavaScript UI & DOM-Teamwork-Reiko.pptx
@@ -8,9 +8,10 @@
     <p:sldId id="256" r:id="rId2"/>
     <p:sldId id="258" r:id="rId3"/>
     <p:sldId id="257" r:id="rId4"/>
-    <p:sldId id="259" r:id="rId5"/>
-    <p:sldId id="261" r:id="rId6"/>
-    <p:sldId id="260" r:id="rId7"/>
+    <p:sldId id="262" r:id="rId5"/>
+    <p:sldId id="259" r:id="rId6"/>
+    <p:sldId id="261" r:id="rId7"/>
+    <p:sldId id="260" r:id="rId8"/>
   </p:sldIdLst>
   <p:sldSz cx="9144000" cy="6858000" type="screen4x3"/>
   <p:notesSz cx="6858000" cy="9144000"/>
@@ -109,6 +110,22 @@
       </a:defRPr>
     </a:lvl9pPr>
   </p:defaultTextStyle>
+  <p:extLst>
+    <p:ext uri="{EFAFB233-063F-42B5-8137-9DF3F51BA10A}">
+      <p15:sldGuideLst xmlns:p15="http://schemas.microsoft.com/office/powerpoint/2012/main">
+        <p15:guide id="1" orient="horz" pos="2160">
+          <p15:clr>
+            <a:srgbClr val="A4A3A4"/>
+          </p15:clr>
+        </p15:guide>
+        <p15:guide id="2" pos="2880">
+          <p15:clr>
+            <a:srgbClr val="A4A3A4"/>
+          </p15:clr>
+        </p15:guide>
+      </p15:sldGuideLst>
+    </p:ext>
+  </p:extLst>
 </p:presentation>
 </file>
 
@@ -293,7 +310,7 @@
           <a:p>
             <a:fld id="{8B4A04E9-C7E5-4AA5-8B03-B2F167180DC5}" type="datetimeFigureOut">
               <a:rPr lang="bg-BG" smtClean="0"/>
-              <a:t>18.6.2014 г.</a:t>
+              <a:t>18.06.2014 г.</a:t>
             </a:fld>
             <a:endParaRPr lang="bg-BG"/>
           </a:p>
@@ -463,7 +480,7 @@
           <a:p>
             <a:fld id="{8B4A04E9-C7E5-4AA5-8B03-B2F167180DC5}" type="datetimeFigureOut">
               <a:rPr lang="bg-BG" smtClean="0"/>
-              <a:t>18.6.2014 г.</a:t>
+              <a:t>18.06.2014 г.</a:t>
             </a:fld>
             <a:endParaRPr lang="bg-BG"/>
           </a:p>
@@ -643,7 +660,7 @@
           <a:p>
             <a:fld id="{8B4A04E9-C7E5-4AA5-8B03-B2F167180DC5}" type="datetimeFigureOut">
               <a:rPr lang="bg-BG" smtClean="0"/>
-              <a:t>18.6.2014 г.</a:t>
+              <a:t>18.06.2014 г.</a:t>
             </a:fld>
             <a:endParaRPr lang="bg-BG"/>
           </a:p>
@@ -813,7 +830,7 @@
           <a:p>
             <a:fld id="{8B4A04E9-C7E5-4AA5-8B03-B2F167180DC5}" type="datetimeFigureOut">
               <a:rPr lang="bg-BG" smtClean="0"/>
-              <a:t>18.6.2014 г.</a:t>
+              <a:t>18.06.2014 г.</a:t>
             </a:fld>
             <a:endParaRPr lang="bg-BG"/>
           </a:p>
@@ -1059,7 +1076,7 @@
           <a:p>
             <a:fld id="{8B4A04E9-C7E5-4AA5-8B03-B2F167180DC5}" type="datetimeFigureOut">
               <a:rPr lang="bg-BG" smtClean="0"/>
-              <a:t>18.6.2014 г.</a:t>
+              <a:t>18.06.2014 г.</a:t>
             </a:fld>
             <a:endParaRPr lang="bg-BG"/>
           </a:p>
@@ -1347,7 +1364,7 @@
           <a:p>
             <a:fld id="{8B4A04E9-C7E5-4AA5-8B03-B2F167180DC5}" type="datetimeFigureOut">
               <a:rPr lang="bg-BG" smtClean="0"/>
-              <a:t>18.6.2014 г.</a:t>
+              <a:t>18.06.2014 г.</a:t>
             </a:fld>
             <a:endParaRPr lang="bg-BG"/>
           </a:p>
@@ -1769,7 +1786,7 @@
           <a:p>
             <a:fld id="{8B4A04E9-C7E5-4AA5-8B03-B2F167180DC5}" type="datetimeFigureOut">
               <a:rPr lang="bg-BG" smtClean="0"/>
-              <a:t>18.6.2014 г.</a:t>
+              <a:t>18.06.2014 г.</a:t>
             </a:fld>
             <a:endParaRPr lang="bg-BG"/>
           </a:p>
@@ -1887,7 +1904,7 @@
           <a:p>
             <a:fld id="{8B4A04E9-C7E5-4AA5-8B03-B2F167180DC5}" type="datetimeFigureOut">
               <a:rPr lang="bg-BG" smtClean="0"/>
-              <a:t>18.6.2014 г.</a:t>
+              <a:t>18.06.2014 г.</a:t>
             </a:fld>
             <a:endParaRPr lang="bg-BG"/>
           </a:p>
@@ -1982,7 +1999,7 @@
           <a:p>
             <a:fld id="{8B4A04E9-C7E5-4AA5-8B03-B2F167180DC5}" type="datetimeFigureOut">
               <a:rPr lang="bg-BG" smtClean="0"/>
-              <a:t>18.6.2014 г.</a:t>
+              <a:t>18.06.2014 г.</a:t>
             </a:fld>
             <a:endParaRPr lang="bg-BG"/>
           </a:p>
@@ -2259,7 +2276,7 @@
           <a:p>
             <a:fld id="{8B4A04E9-C7E5-4AA5-8B03-B2F167180DC5}" type="datetimeFigureOut">
               <a:rPr lang="bg-BG" smtClean="0"/>
-              <a:t>18.6.2014 г.</a:t>
+              <a:t>18.06.2014 г.</a:t>
             </a:fld>
             <a:endParaRPr lang="bg-BG"/>
           </a:p>
@@ -2512,7 +2529,7 @@
           <a:p>
             <a:fld id="{8B4A04E9-C7E5-4AA5-8B03-B2F167180DC5}" type="datetimeFigureOut">
               <a:rPr lang="bg-BG" smtClean="0"/>
-              <a:t>18.6.2014 г.</a:t>
+              <a:t>18.06.2014 г.</a:t>
             </a:fld>
             <a:endParaRPr lang="bg-BG"/>
           </a:p>
@@ -2725,7 +2742,7 @@
           <a:p>
             <a:fld id="{8B4A04E9-C7E5-4AA5-8B03-B2F167180DC5}" type="datetimeFigureOut">
               <a:rPr lang="bg-BG" smtClean="0"/>
-              <a:t>18.6.2014 г.</a:t>
+              <a:t>18.06.2014 г.</a:t>
             </a:fld>
             <a:endParaRPr lang="bg-BG"/>
           </a:p>
@@ -3354,15 +3371,7 @@
             <a:pPr lvl="0"/>
             <a:r>
               <a:rPr lang="en-CA" sz="2800" dirty="0"/>
-              <a:t>Martin </a:t>
-            </a:r>
-            <a:r>
-              <a:rPr lang="en-CA" sz="2800" dirty="0" err="1"/>
-              <a:t>Nikolov</a:t>
-            </a:r>
-            <a:r>
-              <a:rPr lang="en-CA" sz="2800" dirty="0"/>
-              <a:t> (</a:t>
+              <a:t>Martin Nikolov (</a:t>
             </a:r>
             <a:r>
               <a:rPr lang="en-CA" sz="2800" u="sng" dirty="0">
@@ -3390,15 +3399,7 @@
             </a:r>
             <a:r>
               <a:rPr lang="en-CA" sz="2800" dirty="0"/>
-              <a:t> </a:t>
-            </a:r>
-            <a:r>
-              <a:rPr lang="en-CA" sz="2800" dirty="0" err="1"/>
-              <a:t>Kanchev</a:t>
-            </a:r>
-            <a:r>
-              <a:rPr lang="en-CA" sz="2800" dirty="0"/>
-              <a:t> (</a:t>
+              <a:t> Kanchev (</a:t>
             </a:r>
             <a:r>
               <a:rPr lang="en-CA" sz="2800" u="sng" dirty="0">
@@ -4056,26 +4057,24 @@
         </p:nvSpPr>
         <p:spPr/>
         <p:txBody>
-          <a:bodyPr/>
+          <a:bodyPr>
+            <a:normAutofit/>
+          </a:bodyPr>
           <a:lstStyle/>
           <a:p>
             <a:pPr marL="0" indent="0" algn="just">
               <a:buNone/>
             </a:pPr>
             <a:r>
-              <a:rPr lang="bg-BG" dirty="0" smtClean="0"/>
-              <a:t>	</a:t>
-            </a:r>
-            <a:r>
-              <a:rPr lang="en-CA" dirty="0" smtClean="0"/>
-              <a:t>The </a:t>
-            </a:r>
-            <a:r>
-              <a:rPr lang="en-CA" dirty="0"/>
+              <a:rPr lang="en-CA" sz="2500" dirty="0" smtClean="0"/>
+              <a:t>	The </a:t>
+            </a:r>
+            <a:r>
+              <a:rPr lang="en-CA" sz="2500" dirty="0"/>
               <a:t>HTML5 Canvas game </a:t>
             </a:r>
             <a:r>
-              <a:rPr lang="en-CA" dirty="0">
+              <a:rPr lang="en-CA" sz="2500" dirty="0">
                 <a:effectLst>
                   <a:outerShdw blurRad="38100" dist="38100" dir="2700000" algn="tl">
                     <a:srgbClr val="000000">
@@ -4087,7 +4086,7 @@
               <a:t>“</a:t>
             </a:r>
             <a:r>
-              <a:rPr lang="en-CA" b="1" dirty="0">
+              <a:rPr lang="en-CA" sz="2500" b="1" dirty="0">
                 <a:effectLst>
                   <a:outerShdw blurRad="38100" dist="38100" dir="2700000" algn="tl">
                     <a:srgbClr val="000000">
@@ -4099,7 +4098,7 @@
               <a:t>Fruit Ninja!”</a:t>
             </a:r>
             <a:r>
-              <a:rPr lang="en-CA" dirty="0">
+              <a:rPr lang="en-CA" sz="2500" dirty="0">
                 <a:effectLst>
                   <a:outerShdw blurRad="38100" dist="38100" dir="2700000" algn="tl">
                     <a:srgbClr val="000000">
@@ -4111,44 +4110,64 @@
               <a:t> </a:t>
             </a:r>
             <a:r>
-              <a:rPr lang="en-CA" dirty="0"/>
+              <a:rPr lang="en-CA" sz="2500" dirty="0"/>
               <a:t>was developed as a team project for the JavaScript IU &amp; DOM course in </a:t>
             </a:r>
             <a:r>
-              <a:rPr lang="en-CA" dirty="0" err="1"/>
+              <a:rPr lang="en-CA" sz="2500" dirty="0" err="1"/>
               <a:t>Telerik</a:t>
             </a:r>
             <a:r>
-              <a:rPr lang="en-CA" dirty="0"/>
-              <a:t> Academy. The following description contains information about the contributors</a:t>
-            </a:r>
-            <a:r>
-              <a:rPr lang="bg-BG" dirty="0"/>
+              <a:rPr lang="en-CA" sz="2500" dirty="0"/>
+              <a:t> Academy. </a:t>
+            </a:r>
+            <a:endParaRPr lang="bg-BG" sz="2500" dirty="0" smtClean="0"/>
+          </a:p>
+          <a:p>
+            <a:pPr marL="0" indent="0" algn="just">
+              <a:buNone/>
+            </a:pPr>
+            <a:endParaRPr lang="bg-BG" sz="2500" dirty="0"/>
+          </a:p>
+          <a:p>
+            <a:pPr marL="0" indent="0" algn="just">
+              <a:buNone/>
+            </a:pPr>
+            <a:r>
+              <a:rPr lang="en-CA" sz="2500" dirty="0" smtClean="0"/>
+              <a:t>	The </a:t>
+            </a:r>
+            <a:r>
+              <a:rPr lang="en-CA" sz="2500" dirty="0"/>
+              <a:t>following description contains information about the contributors</a:t>
+            </a:r>
+            <a:r>
+              <a:rPr lang="bg-BG" sz="2500" dirty="0"/>
               <a:t>, </a:t>
             </a:r>
             <a:r>
-              <a:rPr lang="en-US" dirty="0"/>
+              <a:rPr lang="en-US" sz="2500" dirty="0"/>
               <a:t>project description </a:t>
             </a:r>
             <a:r>
-              <a:rPr lang="en-CA" dirty="0"/>
+              <a:rPr lang="en-CA" sz="2500" dirty="0"/>
               <a:t>and the URL of </a:t>
             </a:r>
             <a:r>
-              <a:rPr lang="en-CA" dirty="0" err="1"/>
+              <a:rPr lang="en-CA" sz="2500" dirty="0" err="1"/>
               <a:t>GitHub</a:t>
             </a:r>
             <a:r>
-              <a:rPr lang="en-CA" dirty="0"/>
+              <a:rPr lang="en-CA" sz="2500" dirty="0"/>
               <a:t> Repository.</a:t>
             </a:r>
-            <a:endParaRPr lang="bg-BG" dirty="0"/>
+            <a:endParaRPr lang="bg-BG" sz="2500" dirty="0"/>
           </a:p>
           <a:p>
             <a:pPr marL="0" indent="0" algn="just">
               <a:buNone/>
             </a:pPr>
-            <a:endParaRPr lang="bg-BG" dirty="0"/>
+            <a:endParaRPr lang="bg-BG" sz="2500" dirty="0"/>
           </a:p>
         </p:txBody>
       </p:sp>
@@ -4434,7 +4453,7 @@
         </p:blipFill>
         <p:spPr bwMode="auto">
           <a:xfrm flipH="1">
-            <a:off x="5314996" y="3068960"/>
+            <a:off x="5237705" y="2276872"/>
             <a:ext cx="3542132" cy="3542131"/>
           </a:xfrm>
           <a:prstGeom prst="rect">
@@ -4464,8 +4483,8 @@
         </p:nvSpPr>
         <p:spPr>
           <a:xfrm>
-            <a:off x="457200" y="1436959"/>
-            <a:ext cx="8229600" cy="4852444"/>
+            <a:off x="457199" y="1700808"/>
+            <a:ext cx="8229600" cy="1632001"/>
           </a:xfrm>
         </p:spPr>
         <p:txBody>
@@ -4524,40 +4543,6 @@
             <a:r>
               <a:rPr lang="en-CA" sz="2500" dirty="0"/>
               <a:t> are the targets in Fruit Ninja. You must slice them to earn points. </a:t>
-            </a:r>
-            <a:endParaRPr lang="bg-BG" sz="2500" dirty="0"/>
-          </a:p>
-          <a:p>
-            <a:pPr marL="0" indent="0" algn="just">
-              <a:buNone/>
-            </a:pPr>
-            <a:r>
-              <a:rPr lang="bg-BG" sz="2500" dirty="0" smtClean="0"/>
-              <a:t>	</a:t>
-            </a:r>
-            <a:r>
-              <a:rPr lang="en-US" sz="2500" dirty="0" smtClean="0"/>
-              <a:t>The </a:t>
-            </a:r>
-            <a:r>
-              <a:rPr lang="en-US" sz="2500" dirty="0"/>
-              <a:t>game is implemented using HTML5, CSS3, HTML5 Canvas + Animations, JavaScript + OOP, Design Patterns, </a:t>
-            </a:r>
-            <a:r>
-              <a:rPr lang="en-US" sz="2500" dirty="0" err="1"/>
-              <a:t>KineticJS</a:t>
-            </a:r>
-            <a:r>
-              <a:rPr lang="en-US" sz="2500" dirty="0"/>
-              <a:t>, jQuery, </a:t>
-            </a:r>
-            <a:r>
-              <a:rPr lang="en-US" sz="2500" dirty="0" err="1"/>
-              <a:t>RequireJS</a:t>
-            </a:r>
-            <a:r>
-              <a:rPr lang="en-US" sz="2500" dirty="0"/>
-              <a:t>, etc. </a:t>
             </a:r>
             <a:endParaRPr lang="bg-BG" sz="2500" dirty="0"/>
           </a:p>
@@ -4586,7 +4571,7 @@
         </p:blipFill>
         <p:spPr bwMode="auto">
           <a:xfrm>
-            <a:off x="5389295" y="4630964"/>
+            <a:off x="5312004" y="3838876"/>
             <a:ext cx="1827231" cy="2005192"/>
           </a:xfrm>
           <a:prstGeom prst="rect">
@@ -4739,14 +4724,101 @@
       </p:sp>
       <p:sp>
         <p:nvSpPr>
-          <p:cNvPr id="6" name="TextBox 5"/>
-          <p:cNvSpPr txBox="1"/>
+          <p:cNvPr id="7" name="Rectangle 6"/>
+          <p:cNvSpPr/>
           <p:nvPr/>
         </p:nvSpPr>
         <p:spPr>
           <a:xfrm>
-            <a:off x="395929" y="3973419"/>
-            <a:ext cx="5112568" cy="3138635"/>
+            <a:off x="550237" y="3270618"/>
+            <a:ext cx="4572000" cy="2015936"/>
+          </a:xfrm>
+          <a:prstGeom prst="rect">
+            <a:avLst/>
+          </a:prstGeom>
+        </p:spPr>
+        <p:txBody>
+          <a:bodyPr>
+            <a:spAutoFit/>
+          </a:bodyPr>
+          <a:lstStyle/>
+          <a:p>
+            <a:pPr algn="just"/>
+            <a:r>
+              <a:rPr lang="en-US" sz="2500" dirty="0" smtClean="0"/>
+              <a:t>The </a:t>
+            </a:r>
+            <a:r>
+              <a:rPr lang="en-US" sz="2500" dirty="0"/>
+              <a:t>game is implemented using HTML5, CSS3, HTML5 Canvas + Animations, JavaScript + OOP, Design Patterns, </a:t>
+            </a:r>
+            <a:r>
+              <a:rPr lang="en-US" sz="2500" dirty="0" err="1"/>
+              <a:t>KineticJS</a:t>
+            </a:r>
+            <a:r>
+              <a:rPr lang="en-US" sz="2500" dirty="0"/>
+              <a:t>, jQuery, </a:t>
+            </a:r>
+            <a:r>
+              <a:rPr lang="en-US" sz="2500" dirty="0" err="1"/>
+              <a:t>RequireJS</a:t>
+            </a:r>
+            <a:r>
+              <a:rPr lang="en-US" sz="2500" dirty="0"/>
+              <a:t>, etc. </a:t>
+            </a:r>
+            <a:endParaRPr lang="bg-BG" sz="2500" dirty="0"/>
+          </a:p>
+        </p:txBody>
+      </p:sp>
+    </p:spTree>
+    <p:extLst>
+      <p:ext uri="{BB962C8B-B14F-4D97-AF65-F5344CB8AC3E}">
+        <p14:creationId xmlns:p14="http://schemas.microsoft.com/office/powerpoint/2010/main" val="1418203154"/>
+      </p:ext>
+    </p:extLst>
+  </p:cSld>
+  <p:clrMapOvr>
+    <a:masterClrMapping/>
+  </p:clrMapOvr>
+  <p:timing>
+    <p:tnLst>
+      <p:par>
+        <p:cTn id="1" dur="indefinite" restart="never" nodeType="tmRoot"/>
+      </p:par>
+    </p:tnLst>
+  </p:timing>
+</p:sld>
+</file>
+
+<file path=ppt/slides/slide5.xml><?xml version="1.0" encoding="utf-8"?>
+<p:sld xmlns:a="http://schemas.openxmlformats.org/drawingml/2006/main" xmlns:r="http://schemas.openxmlformats.org/officeDocument/2006/relationships" xmlns:p="http://schemas.openxmlformats.org/presentationml/2006/main">
+  <p:cSld>
+    <p:spTree>
+      <p:nvGrpSpPr>
+        <p:cNvPr id="1" name=""/>
+        <p:cNvGrpSpPr/>
+        <p:nvPr/>
+      </p:nvGrpSpPr>
+      <p:grpSpPr>
+        <a:xfrm>
+          <a:off x="0" y="0"/>
+          <a:ext cx="0" cy="0"/>
+          <a:chOff x="0" y="0"/>
+          <a:chExt cx="0" cy="0"/>
+        </a:xfrm>
+      </p:grpSpPr>
+      <p:sp>
+        <p:nvSpPr>
+          <p:cNvPr id="2" name="Rectangle 1"/>
+          <p:cNvSpPr/>
+          <p:nvPr/>
+        </p:nvSpPr>
+        <p:spPr>
+          <a:xfrm>
+            <a:off x="1739301" y="404664"/>
+            <a:ext cx="5665397" cy="923330"/>
           </a:xfrm>
           <a:prstGeom prst="rect">
             <a:avLst/>
@@ -4754,6 +4826,139 @@
           <a:noFill/>
         </p:spPr>
         <p:txBody>
+          <a:bodyPr wrap="none" lIns="91440" tIns="45720" rIns="91440" bIns="45720">
+            <a:spAutoFit/>
+            <a:scene3d>
+              <a:camera prst="orthographicFront"/>
+              <a:lightRig rig="glow" dir="tl">
+                <a:rot lat="0" lon="0" rev="5400000"/>
+              </a:lightRig>
+            </a:scene3d>
+            <a:sp3d contourW="12700">
+              <a:bevelT w="25400" h="25400"/>
+              <a:contourClr>
+                <a:schemeClr val="accent6">
+                  <a:shade val="73000"/>
+                </a:schemeClr>
+              </a:contourClr>
+            </a:sp3d>
+          </a:bodyPr>
+          <a:lstStyle/>
+          <a:p>
+            <a:pPr algn="ctr"/>
+            <a:r>
+              <a:rPr lang="en-CA" sz="5400" b="1" cap="none" spc="0" dirty="0">
+                <a:ln w="11430"/>
+                <a:gradFill>
+                  <a:gsLst>
+                    <a:gs pos="0">
+                      <a:schemeClr val="accent6">
+                        <a:tint val="90000"/>
+                        <a:satMod val="120000"/>
+                      </a:schemeClr>
+                    </a:gs>
+                    <a:gs pos="25000">
+                      <a:schemeClr val="accent6">
+                        <a:tint val="93000"/>
+                        <a:satMod val="120000"/>
+                      </a:schemeClr>
+                    </a:gs>
+                    <a:gs pos="50000">
+                      <a:schemeClr val="accent6">
+                        <a:shade val="89000"/>
+                        <a:satMod val="110000"/>
+                      </a:schemeClr>
+                    </a:gs>
+                    <a:gs pos="75000">
+                      <a:schemeClr val="accent6">
+                        <a:tint val="93000"/>
+                        <a:satMod val="120000"/>
+                      </a:schemeClr>
+                    </a:gs>
+                    <a:gs pos="100000">
+                      <a:schemeClr val="accent6">
+                        <a:tint val="90000"/>
+                        <a:satMod val="120000"/>
+                      </a:schemeClr>
+                    </a:gs>
+                  </a:gsLst>
+                  <a:lin ang="5400000"/>
+                </a:gradFill>
+                <a:effectLst>
+                  <a:outerShdw blurRad="80000" dist="40000" dir="5040000" algn="tl">
+                    <a:srgbClr val="000000">
+                      <a:alpha val="30000"/>
+                    </a:srgbClr>
+                  </a:outerShdw>
+                </a:effectLst>
+              </a:rPr>
+              <a:t>Project Description</a:t>
+            </a:r>
+            <a:endParaRPr lang="bg-BG" sz="5400" b="1" cap="none" spc="0" dirty="0">
+              <a:ln w="11430"/>
+              <a:gradFill>
+                <a:gsLst>
+                  <a:gs pos="0">
+                    <a:schemeClr val="accent6">
+                      <a:tint val="90000"/>
+                      <a:satMod val="120000"/>
+                    </a:schemeClr>
+                  </a:gs>
+                  <a:gs pos="25000">
+                    <a:schemeClr val="accent6">
+                      <a:tint val="93000"/>
+                      <a:satMod val="120000"/>
+                    </a:schemeClr>
+                  </a:gs>
+                  <a:gs pos="50000">
+                    <a:schemeClr val="accent6">
+                      <a:shade val="89000"/>
+                      <a:satMod val="110000"/>
+                    </a:schemeClr>
+                  </a:gs>
+                  <a:gs pos="75000">
+                    <a:schemeClr val="accent6">
+                      <a:tint val="93000"/>
+                      <a:satMod val="120000"/>
+                    </a:schemeClr>
+                  </a:gs>
+                  <a:gs pos="100000">
+                    <a:schemeClr val="accent6">
+                      <a:tint val="90000"/>
+                      <a:satMod val="120000"/>
+                    </a:schemeClr>
+                  </a:gs>
+                </a:gsLst>
+                <a:lin ang="5400000"/>
+              </a:gradFill>
+              <a:effectLst>
+                <a:outerShdw blurRad="80000" dist="40000" dir="5040000" algn="tl">
+                  <a:srgbClr val="000000">
+                    <a:alpha val="30000"/>
+                  </a:srgbClr>
+                </a:outerShdw>
+              </a:effectLst>
+            </a:endParaRPr>
+          </a:p>
+        </p:txBody>
+      </p:sp>
+      <p:sp>
+        <p:nvSpPr>
+          <p:cNvPr id="6" name="TextBox 5"/>
+          <p:cNvSpPr txBox="1"/>
+          <p:nvPr/>
+        </p:nvSpPr>
+        <p:spPr>
+          <a:xfrm>
+            <a:off x="367974" y="1672046"/>
+            <a:ext cx="8308481" cy="2015936"/>
+          </a:xfrm>
+          <a:prstGeom prst="rect">
+            <a:avLst/>
+          </a:prstGeom>
+          <a:noFill/>
+        </p:spPr>
+        <p:txBody>
           <a:bodyPr wrap="square" rtlCol="0">
             <a:spAutoFit/>
           </a:bodyPr>
@@ -4780,6 +4985,47 @@
           </a:p>
         </p:txBody>
       </p:sp>
+      <p:pic>
+        <p:nvPicPr>
+          <p:cNvPr id="1026" name="Picture 2" descr="http://xboxavatargear.files.wordpress.com/2011/07/fruit-ninja-logo.png"/>
+          <p:cNvPicPr>
+            <a:picLocks noChangeAspect="1" noChangeArrowheads="1"/>
+          </p:cNvPicPr>
+          <p:nvPr/>
+        </p:nvPicPr>
+        <p:blipFill>
+          <a:blip r:embed="rId2">
+            <a:extLst>
+              <a:ext uri="{28A0092B-C50C-407E-A947-70E740481C1C}">
+                <a14:useLocalDpi xmlns:a14="http://schemas.microsoft.com/office/drawing/2010/main" val="0"/>
+              </a:ext>
+            </a:extLst>
+          </a:blip>
+          <a:srcRect/>
+          <a:stretch>
+            <a:fillRect/>
+          </a:stretch>
+        </p:blipFill>
+        <p:spPr bwMode="auto">
+          <a:xfrm>
+            <a:off x="1212439" y="3057354"/>
+            <a:ext cx="6719120" cy="3779505"/>
+          </a:xfrm>
+          <a:prstGeom prst="rect">
+            <a:avLst/>
+          </a:prstGeom>
+          <a:noFill/>
+          <a:extLst>
+            <a:ext uri="{909E8E84-426E-40DD-AFC4-6F175D3DCCD1}">
+              <a14:hiddenFill xmlns:a14="http://schemas.microsoft.com/office/drawing/2010/main">
+                <a:solidFill>
+                  <a:srgbClr val="FFFFFF"/>
+                </a:solidFill>
+              </a14:hiddenFill>
+            </a:ext>
+          </a:extLst>
+        </p:spPr>
+      </p:pic>
     </p:spTree>
     <p:extLst>
       <p:ext uri="{BB962C8B-B14F-4D97-AF65-F5344CB8AC3E}">
@@ -4800,7 +5046,7 @@
 </p:sld>
 </file>
 
-<file path=ppt/slides/slide5.xml><?xml version="1.0" encoding="utf-8"?>
+<file path=ppt/slides/slide6.xml><?xml version="1.0" encoding="utf-8"?>
 <p:sld xmlns:a="http://schemas.openxmlformats.org/drawingml/2006/main" xmlns:r="http://schemas.openxmlformats.org/officeDocument/2006/relationships" xmlns:p="http://schemas.openxmlformats.org/presentationml/2006/main">
   <p:cSld>
     <p:spTree>
@@ -4911,54 +5157,26 @@
       </p:pic>
       <p:pic>
         <p:nvPicPr>
-          <p:cNvPr id="3074" name="Picture 2"/>
+          <p:cNvPr id="6" name="Picture 5"/>
           <p:cNvPicPr>
-            <a:picLocks noChangeAspect="1" noChangeArrowheads="1"/>
+            <a:picLocks noChangeAspect="1"/>
           </p:cNvPicPr>
           <p:nvPr/>
         </p:nvPicPr>
-        <p:blipFill rotWithShape="1">
-          <a:blip r:embed="rId3">
-            <a:extLst>
-              <a:ext uri="{28A0092B-C50C-407E-A947-70E740481C1C}">
-                <a14:useLocalDpi xmlns:a14="http://schemas.microsoft.com/office/drawing/2010/main" val="0"/>
-              </a:ext>
-            </a:extLst>
-          </a:blip>
-          <a:srcRect l="-4037" t="11930" r="18406" b="10569"/>
-          <a:stretch/>
+        <p:blipFill>
+          <a:blip r:embed="rId3"/>
+          <a:stretch>
+            <a:fillRect/>
+          </a:stretch>
         </p:blipFill>
-        <p:spPr bwMode="auto">
+        <p:spPr>
           <a:xfrm>
-            <a:off x="-396552" y="764703"/>
-            <a:ext cx="9361040" cy="4763255"/>
+            <a:off x="252346" y="664619"/>
+            <a:ext cx="8639307" cy="5510987"/>
           </a:xfrm>
           <a:prstGeom prst="rect">
             <a:avLst/>
           </a:prstGeom>
-          <a:noFill/>
-          <a:ln>
-            <a:noFill/>
-          </a:ln>
-          <a:extLst>
-            <a:ext uri="{909E8E84-426E-40DD-AFC4-6F175D3DCCD1}">
-              <a14:hiddenFill xmlns:a14="http://schemas.microsoft.com/office/drawing/2010/main">
-                <a:solidFill>
-                  <a:schemeClr val="accent1"/>
-                </a:solidFill>
-              </a14:hiddenFill>
-            </a:ext>
-            <a:ext uri="{91240B29-F687-4F45-9708-019B960494DF}">
-              <a14:hiddenLine xmlns:a14="http://schemas.microsoft.com/office/drawing/2010/main" w="9525">
-                <a:solidFill>
-                  <a:schemeClr val="tx1"/>
-                </a:solidFill>
-                <a:miter lim="800000"/>
-                <a:headEnd/>
-                <a:tailEnd/>
-              </a14:hiddenLine>
-            </a:ext>
-          </a:extLst>
         </p:spPr>
       </p:pic>
     </p:spTree>
@@ -4981,7 +5199,7 @@
 </p:sld>
 </file>
 
-<file path=ppt/slides/slide6.xml><?xml version="1.0" encoding="utf-8"?>
+<file path=ppt/slides/slide7.xml><?xml version="1.0" encoding="utf-8"?>
 <p:sld xmlns:a="http://schemas.openxmlformats.org/drawingml/2006/main" xmlns:r="http://schemas.openxmlformats.org/officeDocument/2006/relationships" xmlns:p="http://schemas.openxmlformats.org/presentationml/2006/main">
   <p:cSld>
     <p:spTree>
@@ -5021,7 +5239,7 @@
         </p:blipFill>
         <p:spPr bwMode="auto">
           <a:xfrm flipH="1">
-            <a:off x="5796136" y="3550100"/>
+            <a:off x="5601055" y="3228412"/>
             <a:ext cx="3060992" cy="3060991"/>
           </a:xfrm>
           <a:prstGeom prst="rect">
@@ -5131,7 +5349,7 @@
         </p:blipFill>
         <p:spPr bwMode="auto">
           <a:xfrm>
-            <a:off x="5637494" y="4903336"/>
+            <a:off x="5442413" y="4581648"/>
             <a:ext cx="1579032" cy="1732820"/>
           </a:xfrm>
           <a:prstGeom prst="rect">
@@ -5330,6 +5548,47 @@
           </a:p>
         </p:txBody>
       </p:sp>
+      <p:pic>
+        <p:nvPicPr>
+          <p:cNvPr id="2050" name="Picture 2" descr="http://www.wakanda.org/sites/default/files/blog/blog-github.png"/>
+          <p:cNvPicPr>
+            <a:picLocks noChangeAspect="1" noChangeArrowheads="1"/>
+          </p:cNvPicPr>
+          <p:nvPr/>
+        </p:nvPicPr>
+        <p:blipFill>
+          <a:blip r:embed="rId5">
+            <a:extLst>
+              <a:ext uri="{28A0092B-C50C-407E-A947-70E740481C1C}">
+                <a14:useLocalDpi xmlns:a14="http://schemas.microsoft.com/office/drawing/2010/main" val="0"/>
+              </a:ext>
+            </a:extLst>
+          </a:blip>
+          <a:srcRect/>
+          <a:stretch>
+            <a:fillRect/>
+          </a:stretch>
+        </p:blipFill>
+        <p:spPr bwMode="auto">
+          <a:xfrm>
+            <a:off x="577795" y="4365104"/>
+            <a:ext cx="4542700" cy="1801416"/>
+          </a:xfrm>
+          <a:prstGeom prst="rect">
+            <a:avLst/>
+          </a:prstGeom>
+          <a:noFill/>
+          <a:extLst>
+            <a:ext uri="{909E8E84-426E-40DD-AFC4-6F175D3DCCD1}">
+              <a14:hiddenFill xmlns:a14="http://schemas.microsoft.com/office/drawing/2010/main">
+                <a:solidFill>
+                  <a:srgbClr val="FFFFFF"/>
+                </a:solidFill>
+              </a14:hiddenFill>
+            </a:ext>
+          </a:extLst>
+        </p:spPr>
+      </p:pic>
     </p:spTree>
     <p:extLst>
       <p:ext uri="{BB962C8B-B14F-4D97-AF65-F5344CB8AC3E}">
